--- a/Midterm Project/Midterm_Ren_Zexin.pptx
+++ b/Midterm Project/Midterm_Ren_Zexin.pptx
@@ -17,6 +17,7 @@
     <p:sldId id="262" r:id="rId14"/>
     <p:sldId id="263" r:id="rId15"/>
     <p:sldId id="264" r:id="rId16"/>
+    <p:sldId id="265" r:id="rId17"/>
   </p:sldIdLst>
   <p:sldSz cx="4607940" cy="3456051"/>
   <p:notesSz cx="6858000" cy="9144000"/>
@@ -5660,6 +5661,1538 @@
           </a:p>
         </p:txBody>
       </p:sp>
+    </p:spTree>
+  </p:cSld>
+  <p:clrMapOvr>
+    <a:masterClrMapping/>
+  </p:clrMapOvr>
+  <p:transition xmlns:p14="http://schemas.microsoft.com/office/powerpoint/2010/main" spd="med" advClick="1"/>
+</p:sld>
+</file>
+
+<file path=ppt/slides/slide10.xml><?xml version="1.0" encoding="utf-8"?>
+<p:sld xmlns:a="http://schemas.openxmlformats.org/drawingml/2006/main" xmlns:r="http://schemas.openxmlformats.org/officeDocument/2006/relationships" xmlns:p="http://schemas.openxmlformats.org/presentationml/2006/main" xmlns:m="http://schemas.openxmlformats.org/officeDocument/2006/math" xmlns:a14="http://schemas.microsoft.com/office/drawing/2010/main" showMasterSp="1" showMasterPhAnim="1">
+  <p:cSld>
+    <p:spTree>
+      <p:nvGrpSpPr>
+        <p:cNvPr id="1" name=""/>
+        <p:cNvGrpSpPr/>
+        <p:nvPr/>
+      </p:nvGrpSpPr>
+      <p:grpSpPr>
+        <a:xfrm>
+          <a:off x="0" y="0"/>
+          <a:ext cx="0" cy="0"/>
+          <a:chOff x="0" y="0"/>
+          <a:chExt cx="0" cy="0"/>
+        </a:xfrm>
+      </p:grpSpPr>
+      <p:sp>
+        <p:nvSpPr>
+          <p:cNvPr id="345" name="Line"/>
+          <p:cNvSpPr/>
+          <p:nvPr/>
+        </p:nvSpPr>
+        <p:spPr>
+          <a:xfrm>
+            <a:off x="3058210" y="3261410"/>
+            <a:ext cx="43021" cy="1"/>
+          </a:xfrm>
+          <a:prstGeom prst="line">
+            <a:avLst/>
+          </a:prstGeom>
+          <a:ln w="30366">
+            <a:solidFill>
+              <a:srgbClr val="BABCE5"/>
+            </a:solidFill>
+            <a:miter lim="400000"/>
+          </a:ln>
+        </p:spPr>
+        <p:txBody>
+          <a:bodyPr lIns="50800" tIns="50800" rIns="50800" bIns="50800" anchor="ctr"/>
+          <a:lstStyle/>
+          <a:p>
+            <a:pPr algn="l" defTabSz="457200">
+              <a:defRPr sz="1200">
+                <a:latin typeface="Helvetica"/>
+                <a:ea typeface="Helvetica"/>
+                <a:cs typeface="Helvetica"/>
+                <a:sym typeface="Helvetica"/>
+              </a:defRPr>
+            </a:pPr>
+          </a:p>
+        </p:txBody>
+      </p:sp>
+      <p:sp>
+        <p:nvSpPr>
+          <p:cNvPr id="346" name="Triangle"/>
+          <p:cNvSpPr/>
+          <p:nvPr/>
+        </p:nvSpPr>
+        <p:spPr>
+          <a:xfrm>
+            <a:off x="2969310" y="3236010"/>
+            <a:ext cx="25402" cy="38102"/>
+          </a:xfrm>
+          <a:custGeom>
+            <a:avLst/>
+            <a:gdLst/>
+            <a:ahLst/>
+            <a:cxnLst>
+              <a:cxn ang="0">
+                <a:pos x="wd2" y="hd2"/>
+              </a:cxn>
+              <a:cxn ang="5400000">
+                <a:pos x="wd2" y="hd2"/>
+              </a:cxn>
+              <a:cxn ang="10800000">
+                <a:pos x="wd2" y="hd2"/>
+              </a:cxn>
+              <a:cxn ang="16200000">
+                <a:pos x="wd2" y="hd2"/>
+              </a:cxn>
+            </a:cxnLst>
+            <a:rect l="0" t="0" r="r" b="b"/>
+            <a:pathLst>
+              <a:path w="21600" h="21600" fill="norm" stroke="1" extrusionOk="0">
+                <a:moveTo>
+                  <a:pt x="21600" y="21600"/>
+                </a:moveTo>
+                <a:lnTo>
+                  <a:pt x="0" y="10800"/>
+                </a:lnTo>
+                <a:lnTo>
+                  <a:pt x="21600" y="0"/>
+                </a:lnTo>
+                <a:lnTo>
+                  <a:pt x="21600" y="21600"/>
+                </a:lnTo>
+                <a:close/>
+              </a:path>
+            </a:pathLst>
+          </a:custGeom>
+          <a:solidFill>
+            <a:srgbClr val="DDDEF1"/>
+          </a:solidFill>
+          <a:ln w="12700">
+            <a:miter lim="400000"/>
+          </a:ln>
+        </p:spPr>
+        <p:txBody>
+          <a:bodyPr lIns="50800" tIns="50800" rIns="50800" bIns="50800" anchor="ctr"/>
+          <a:lstStyle/>
+          <a:p>
+            <a:pPr algn="l" defTabSz="457200">
+              <a:defRPr sz="1200">
+                <a:latin typeface="Helvetica"/>
+                <a:ea typeface="Helvetica"/>
+                <a:cs typeface="Helvetica"/>
+                <a:sym typeface="Helvetica"/>
+              </a:defRPr>
+            </a:pPr>
+          </a:p>
+        </p:txBody>
+      </p:sp>
+      <p:sp>
+        <p:nvSpPr>
+          <p:cNvPr id="347" name="Triangle"/>
+          <p:cNvSpPr/>
+          <p:nvPr/>
+        </p:nvSpPr>
+        <p:spPr>
+          <a:xfrm>
+            <a:off x="3147110" y="3236010"/>
+            <a:ext cx="25401" cy="38102"/>
+          </a:xfrm>
+          <a:custGeom>
+            <a:avLst/>
+            <a:gdLst/>
+            <a:ahLst/>
+            <a:cxnLst>
+              <a:cxn ang="0">
+                <a:pos x="wd2" y="hd2"/>
+              </a:cxn>
+              <a:cxn ang="5400000">
+                <a:pos x="wd2" y="hd2"/>
+              </a:cxn>
+              <a:cxn ang="10800000">
+                <a:pos x="wd2" y="hd2"/>
+              </a:cxn>
+              <a:cxn ang="16200000">
+                <a:pos x="wd2" y="hd2"/>
+              </a:cxn>
+            </a:cxnLst>
+            <a:rect l="0" t="0" r="r" b="b"/>
+            <a:pathLst>
+              <a:path w="21600" h="21600" fill="norm" stroke="1" extrusionOk="0">
+                <a:moveTo>
+                  <a:pt x="0" y="21600"/>
+                </a:moveTo>
+                <a:lnTo>
+                  <a:pt x="21600" y="10800"/>
+                </a:lnTo>
+                <a:lnTo>
+                  <a:pt x="0" y="0"/>
+                </a:lnTo>
+                <a:lnTo>
+                  <a:pt x="0" y="21600"/>
+                </a:lnTo>
+                <a:close/>
+              </a:path>
+            </a:pathLst>
+          </a:custGeom>
+          <a:solidFill>
+            <a:srgbClr val="DDDEF1"/>
+          </a:solidFill>
+          <a:ln w="12700">
+            <a:miter lim="400000"/>
+          </a:ln>
+        </p:spPr>
+        <p:txBody>
+          <a:bodyPr lIns="50800" tIns="50800" rIns="50800" bIns="50800" anchor="ctr"/>
+          <a:lstStyle/>
+          <a:p>
+            <a:pPr algn="l" defTabSz="457200">
+              <a:defRPr sz="1200">
+                <a:latin typeface="Helvetica"/>
+                <a:ea typeface="Helvetica"/>
+                <a:cs typeface="Helvetica"/>
+                <a:sym typeface="Helvetica"/>
+              </a:defRPr>
+            </a:pPr>
+          </a:p>
+        </p:txBody>
+      </p:sp>
+      <p:pic>
+        <p:nvPicPr>
+          <p:cNvPr id="348" name="picture-0.jpeg" descr="picture-0.jpeg"/>
+          <p:cNvPicPr>
+            <a:picLocks noChangeAspect="0"/>
+          </p:cNvPicPr>
+          <p:nvPr/>
+        </p:nvPicPr>
+        <p:blipFill>
+          <a:blip r:embed="rId2">
+            <a:extLst/>
+          </a:blip>
+          <a:stretch>
+            <a:fillRect/>
+          </a:stretch>
+        </p:blipFill>
+        <p:spPr>
+          <a:xfrm>
+            <a:off x="3246120" y="3230879"/>
+            <a:ext cx="220981" cy="83821"/>
+          </a:xfrm>
+          <a:prstGeom prst="rect">
+            <a:avLst/>
+          </a:prstGeom>
+          <a:ln w="12700">
+            <a:miter lim="400000"/>
+          </a:ln>
+        </p:spPr>
+      </p:pic>
+      <p:pic>
+        <p:nvPicPr>
+          <p:cNvPr id="349" name="picture-1.jpeg" descr="picture-1.jpeg"/>
+          <p:cNvPicPr>
+            <a:picLocks noChangeAspect="0"/>
+          </p:cNvPicPr>
+          <p:nvPr/>
+        </p:nvPicPr>
+        <p:blipFill>
+          <a:blip r:embed="rId3">
+            <a:extLst/>
+          </a:blip>
+          <a:stretch>
+            <a:fillRect/>
+          </a:stretch>
+        </p:blipFill>
+        <p:spPr>
+          <a:xfrm>
+            <a:off x="3512820" y="3246120"/>
+            <a:ext cx="220981" cy="45721"/>
+          </a:xfrm>
+          <a:prstGeom prst="rect">
+            <a:avLst/>
+          </a:prstGeom>
+          <a:ln w="12700">
+            <a:miter lim="400000"/>
+          </a:ln>
+        </p:spPr>
+      </p:pic>
+      <p:pic>
+        <p:nvPicPr>
+          <p:cNvPr id="350" name="picture-2.jpeg" descr="picture-2.jpeg"/>
+          <p:cNvPicPr>
+            <a:picLocks noChangeAspect="0"/>
+          </p:cNvPicPr>
+          <p:nvPr/>
+        </p:nvPicPr>
+        <p:blipFill>
+          <a:blip r:embed="rId4">
+            <a:extLst/>
+          </a:blip>
+          <a:stretch>
+            <a:fillRect/>
+          </a:stretch>
+        </p:blipFill>
+        <p:spPr>
+          <a:xfrm>
+            <a:off x="3794759" y="3246120"/>
+            <a:ext cx="205741" cy="45721"/>
+          </a:xfrm>
+          <a:prstGeom prst="rect">
+            <a:avLst/>
+          </a:prstGeom>
+          <a:ln w="12700">
+            <a:miter lim="400000"/>
+          </a:ln>
+        </p:spPr>
+      </p:pic>
+      <p:sp>
+        <p:nvSpPr>
+          <p:cNvPr id="351" name="Line"/>
+          <p:cNvSpPr/>
+          <p:nvPr/>
+        </p:nvSpPr>
+        <p:spPr>
+          <a:xfrm>
+            <a:off x="4137710" y="3248710"/>
+            <a:ext cx="38102" cy="1"/>
+          </a:xfrm>
+          <a:prstGeom prst="line">
+            <a:avLst/>
+          </a:prstGeom>
+          <a:ln w="7591">
+            <a:solidFill>
+              <a:srgbClr val="BABCE5"/>
+            </a:solidFill>
+            <a:miter lim="400000"/>
+          </a:ln>
+        </p:spPr>
+        <p:txBody>
+          <a:bodyPr lIns="50800" tIns="50800" rIns="50800" bIns="50800" anchor="ctr"/>
+          <a:lstStyle/>
+          <a:p>
+            <a:pPr algn="l" defTabSz="457200">
+              <a:defRPr sz="1200">
+                <a:latin typeface="Helvetica"/>
+                <a:ea typeface="Helvetica"/>
+                <a:cs typeface="Helvetica"/>
+                <a:sym typeface="Helvetica"/>
+              </a:defRPr>
+            </a:pPr>
+          </a:p>
+        </p:txBody>
+      </p:sp>
+      <p:sp>
+        <p:nvSpPr>
+          <p:cNvPr id="352" name="Line"/>
+          <p:cNvSpPr/>
+          <p:nvPr/>
+        </p:nvSpPr>
+        <p:spPr>
+          <a:xfrm>
+            <a:off x="4137710" y="3261410"/>
+            <a:ext cx="38102" cy="1"/>
+          </a:xfrm>
+          <a:prstGeom prst="line">
+            <a:avLst/>
+          </a:prstGeom>
+          <a:ln w="7591">
+            <a:solidFill>
+              <a:srgbClr val="BABCE5"/>
+            </a:solidFill>
+            <a:miter lim="400000"/>
+          </a:ln>
+        </p:spPr>
+        <p:txBody>
+          <a:bodyPr lIns="50800" tIns="50800" rIns="50800" bIns="50800" anchor="ctr"/>
+          <a:lstStyle/>
+          <a:p>
+            <a:pPr algn="l" defTabSz="457200">
+              <a:defRPr sz="1200">
+                <a:latin typeface="Helvetica"/>
+                <a:ea typeface="Helvetica"/>
+                <a:cs typeface="Helvetica"/>
+                <a:sym typeface="Helvetica"/>
+              </a:defRPr>
+            </a:pPr>
+          </a:p>
+        </p:txBody>
+      </p:sp>
+      <p:sp>
+        <p:nvSpPr>
+          <p:cNvPr id="353" name="Line"/>
+          <p:cNvSpPr/>
+          <p:nvPr/>
+        </p:nvSpPr>
+        <p:spPr>
+          <a:xfrm>
+            <a:off x="4137710" y="3286810"/>
+            <a:ext cx="38102" cy="1"/>
+          </a:xfrm>
+          <a:prstGeom prst="line">
+            <a:avLst/>
+          </a:prstGeom>
+          <a:ln w="7591">
+            <a:solidFill>
+              <a:srgbClr val="BABCE5"/>
+            </a:solidFill>
+            <a:miter lim="400000"/>
+          </a:ln>
+        </p:spPr>
+        <p:txBody>
+          <a:bodyPr lIns="50800" tIns="50800" rIns="50800" bIns="50800" anchor="ctr"/>
+          <a:lstStyle/>
+          <a:p>
+            <a:pPr algn="l" defTabSz="457200">
+              <a:defRPr sz="1200">
+                <a:latin typeface="Helvetica"/>
+                <a:ea typeface="Helvetica"/>
+                <a:cs typeface="Helvetica"/>
+                <a:sym typeface="Helvetica"/>
+              </a:defRPr>
+            </a:pPr>
+          </a:p>
+        </p:txBody>
+      </p:sp>
+      <p:pic>
+        <p:nvPicPr>
+          <p:cNvPr id="354" name="picture-3.jpeg" descr="picture-3.jpeg"/>
+          <p:cNvPicPr>
+            <a:picLocks noChangeAspect="0"/>
+          </p:cNvPicPr>
+          <p:nvPr/>
+        </p:nvPicPr>
+        <p:blipFill>
+          <a:blip r:embed="rId5">
+            <a:extLst/>
+          </a:blip>
+          <a:stretch>
+            <a:fillRect/>
+          </a:stretch>
+        </p:blipFill>
+        <p:spPr>
+          <a:xfrm>
+            <a:off x="4404359" y="3230879"/>
+            <a:ext cx="91441" cy="99061"/>
+          </a:xfrm>
+          <a:prstGeom prst="rect">
+            <a:avLst/>
+          </a:prstGeom>
+          <a:ln w="12700">
+            <a:miter lim="400000"/>
+          </a:ln>
+        </p:spPr>
+      </p:pic>
+      <p:sp>
+        <p:nvSpPr>
+          <p:cNvPr id="355" name="Triangle"/>
+          <p:cNvSpPr/>
+          <p:nvPr/>
+        </p:nvSpPr>
+        <p:spPr>
+          <a:xfrm>
+            <a:off x="4302810" y="3248710"/>
+            <a:ext cx="30481" cy="12701"/>
+          </a:xfrm>
+          <a:custGeom>
+            <a:avLst/>
+            <a:gdLst/>
+            <a:ahLst/>
+            <a:cxnLst>
+              <a:cxn ang="0">
+                <a:pos x="wd2" y="hd2"/>
+              </a:cxn>
+              <a:cxn ang="5400000">
+                <a:pos x="wd2" y="hd2"/>
+              </a:cxn>
+              <a:cxn ang="10800000">
+                <a:pos x="wd2" y="hd2"/>
+              </a:cxn>
+              <a:cxn ang="16200000">
+                <a:pos x="wd2" y="hd2"/>
+              </a:cxn>
+            </a:cxnLst>
+            <a:rect l="0" t="0" r="r" b="b"/>
+            <a:pathLst>
+              <a:path w="21600" h="21600" fill="norm" stroke="1" extrusionOk="0">
+                <a:moveTo>
+                  <a:pt x="21600" y="0"/>
+                </a:moveTo>
+                <a:lnTo>
+                  <a:pt x="10800" y="21600"/>
+                </a:lnTo>
+                <a:lnTo>
+                  <a:pt x="0" y="0"/>
+                </a:lnTo>
+                <a:close/>
+              </a:path>
+            </a:pathLst>
+          </a:custGeom>
+          <a:ln w="5060">
+            <a:solidFill>
+              <a:srgbClr val="BABCE5"/>
+            </a:solidFill>
+            <a:miter lim="400000"/>
+          </a:ln>
+        </p:spPr>
+        <p:txBody>
+          <a:bodyPr lIns="50800" tIns="50800" rIns="50800" bIns="50800" anchor="ctr"/>
+          <a:lstStyle/>
+          <a:p>
+            <a:pPr algn="l" defTabSz="457200">
+              <a:defRPr sz="1200">
+                <a:latin typeface="Helvetica"/>
+                <a:ea typeface="Helvetica"/>
+                <a:cs typeface="Helvetica"/>
+                <a:sym typeface="Helvetica"/>
+              </a:defRPr>
+            </a:pPr>
+          </a:p>
+        </p:txBody>
+      </p:sp>
+      <p:sp>
+        <p:nvSpPr>
+          <p:cNvPr id="356" name="Line"/>
+          <p:cNvSpPr/>
+          <p:nvPr/>
+        </p:nvSpPr>
+        <p:spPr>
+          <a:xfrm>
+            <a:off x="4328210" y="3236010"/>
+            <a:ext cx="50801" cy="50802"/>
+          </a:xfrm>
+          <a:custGeom>
+            <a:avLst/>
+            <a:gdLst/>
+            <a:ahLst/>
+            <a:cxnLst>
+              <a:cxn ang="0">
+                <a:pos x="wd2" y="hd2"/>
+              </a:cxn>
+              <a:cxn ang="5400000">
+                <a:pos x="wd2" y="hd2"/>
+              </a:cxn>
+              <a:cxn ang="10800000">
+                <a:pos x="wd2" y="hd2"/>
+              </a:cxn>
+              <a:cxn ang="16200000">
+                <a:pos x="wd2" y="hd2"/>
+              </a:cxn>
+            </a:cxnLst>
+            <a:rect l="0" t="0" r="r" b="b"/>
+            <a:pathLst>
+              <a:path w="21600" h="21600" fill="norm" stroke="1" extrusionOk="0">
+                <a:moveTo>
+                  <a:pt x="10800" y="21600"/>
+                </a:moveTo>
+                <a:cubicBezTo>
+                  <a:pt x="16637" y="21600"/>
+                  <a:pt x="21600" y="16740"/>
+                  <a:pt x="21600" y="10800"/>
+                </a:cubicBezTo>
+                <a:cubicBezTo>
+                  <a:pt x="21600" y="4860"/>
+                  <a:pt x="16740" y="0"/>
+                  <a:pt x="10800" y="0"/>
+                </a:cubicBezTo>
+                <a:cubicBezTo>
+                  <a:pt x="4860" y="0"/>
+                  <a:pt x="0" y="4860"/>
+                  <a:pt x="0" y="10800"/>
+                </a:cubicBezTo>
+              </a:path>
+            </a:pathLst>
+          </a:custGeom>
+          <a:ln w="5060">
+            <a:solidFill>
+              <a:srgbClr val="BABCE5"/>
+            </a:solidFill>
+            <a:miter lim="400000"/>
+          </a:ln>
+        </p:spPr>
+        <p:txBody>
+          <a:bodyPr lIns="50800" tIns="50800" rIns="50800" bIns="50800" anchor="ctr"/>
+          <a:lstStyle/>
+          <a:p>
+            <a:pPr algn="l" defTabSz="457200">
+              <a:defRPr sz="1200">
+                <a:latin typeface="Helvetica"/>
+                <a:ea typeface="Helvetica"/>
+                <a:cs typeface="Helvetica"/>
+                <a:sym typeface="Helvetica"/>
+              </a:defRPr>
+            </a:pPr>
+          </a:p>
+        </p:txBody>
+      </p:sp>
+      <p:sp>
+        <p:nvSpPr>
+          <p:cNvPr id="357" name="Line"/>
+          <p:cNvSpPr/>
+          <p:nvPr/>
+        </p:nvSpPr>
+        <p:spPr>
+          <a:xfrm>
+            <a:off x="4480610" y="3236010"/>
+            <a:ext cx="50801" cy="50802"/>
+          </a:xfrm>
+          <a:custGeom>
+            <a:avLst/>
+            <a:gdLst/>
+            <a:ahLst/>
+            <a:cxnLst>
+              <a:cxn ang="0">
+                <a:pos x="wd2" y="hd2"/>
+              </a:cxn>
+              <a:cxn ang="5400000">
+                <a:pos x="wd2" y="hd2"/>
+              </a:cxn>
+              <a:cxn ang="10800000">
+                <a:pos x="wd2" y="hd2"/>
+              </a:cxn>
+              <a:cxn ang="16200000">
+                <a:pos x="wd2" y="hd2"/>
+              </a:cxn>
+            </a:cxnLst>
+            <a:rect l="0" t="0" r="r" b="b"/>
+            <a:pathLst>
+              <a:path w="21600" h="21600" fill="norm" stroke="1" extrusionOk="0">
+                <a:moveTo>
+                  <a:pt x="10800" y="21600"/>
+                </a:moveTo>
+                <a:cubicBezTo>
+                  <a:pt x="4860" y="21600"/>
+                  <a:pt x="0" y="16740"/>
+                  <a:pt x="0" y="10800"/>
+                </a:cubicBezTo>
+                <a:cubicBezTo>
+                  <a:pt x="0" y="4860"/>
+                  <a:pt x="4860" y="0"/>
+                  <a:pt x="10800" y="0"/>
+                </a:cubicBezTo>
+                <a:cubicBezTo>
+                  <a:pt x="16740" y="0"/>
+                  <a:pt x="21600" y="4860"/>
+                  <a:pt x="21600" y="10800"/>
+                </a:cubicBezTo>
+              </a:path>
+            </a:pathLst>
+          </a:custGeom>
+          <a:ln w="5060">
+            <a:solidFill>
+              <a:srgbClr val="BABCE5"/>
+            </a:solidFill>
+            <a:miter lim="400000"/>
+          </a:ln>
+        </p:spPr>
+        <p:txBody>
+          <a:bodyPr lIns="50800" tIns="50800" rIns="50800" bIns="50800" anchor="ctr"/>
+          <a:lstStyle/>
+          <a:p>
+            <a:pPr algn="l" defTabSz="457200">
+              <a:defRPr sz="1200">
+                <a:latin typeface="Helvetica"/>
+                <a:ea typeface="Helvetica"/>
+                <a:cs typeface="Helvetica"/>
+                <a:sym typeface="Helvetica"/>
+              </a:defRPr>
+            </a:pPr>
+          </a:p>
+        </p:txBody>
+      </p:sp>
+      <p:sp>
+        <p:nvSpPr>
+          <p:cNvPr id="358" name="Triangle"/>
+          <p:cNvSpPr/>
+          <p:nvPr/>
+        </p:nvSpPr>
+        <p:spPr>
+          <a:xfrm>
+            <a:off x="4506010" y="3248710"/>
+            <a:ext cx="30482" cy="12701"/>
+          </a:xfrm>
+          <a:custGeom>
+            <a:avLst/>
+            <a:gdLst/>
+            <a:ahLst/>
+            <a:cxnLst>
+              <a:cxn ang="0">
+                <a:pos x="wd2" y="hd2"/>
+              </a:cxn>
+              <a:cxn ang="5400000">
+                <a:pos x="wd2" y="hd2"/>
+              </a:cxn>
+              <a:cxn ang="10800000">
+                <a:pos x="wd2" y="hd2"/>
+              </a:cxn>
+              <a:cxn ang="16200000">
+                <a:pos x="wd2" y="hd2"/>
+              </a:cxn>
+            </a:cxnLst>
+            <a:rect l="0" t="0" r="r" b="b"/>
+            <a:pathLst>
+              <a:path w="21600" h="21600" fill="norm" stroke="1" extrusionOk="0">
+                <a:moveTo>
+                  <a:pt x="21600" y="0"/>
+                </a:moveTo>
+                <a:lnTo>
+                  <a:pt x="10800" y="21600"/>
+                </a:lnTo>
+                <a:lnTo>
+                  <a:pt x="0" y="0"/>
+                </a:lnTo>
+                <a:close/>
+              </a:path>
+            </a:pathLst>
+          </a:custGeom>
+          <a:ln w="5060">
+            <a:solidFill>
+              <a:srgbClr val="BABCE5"/>
+            </a:solidFill>
+            <a:miter lim="400000"/>
+          </a:ln>
+        </p:spPr>
+        <p:txBody>
+          <a:bodyPr lIns="50800" tIns="50800" rIns="50800" bIns="50800" anchor="ctr"/>
+          <a:lstStyle/>
+          <a:p>
+            <a:pPr algn="l" defTabSz="457200">
+              <a:defRPr sz="1200">
+                <a:latin typeface="Helvetica"/>
+                <a:ea typeface="Helvetica"/>
+                <a:cs typeface="Helvetica"/>
+                <a:sym typeface="Helvetica"/>
+              </a:defRPr>
+            </a:pPr>
+          </a:p>
+        </p:txBody>
+      </p:sp>
+      <p:sp>
+        <p:nvSpPr>
+          <p:cNvPr id="359" name="Rectangle"/>
+          <p:cNvSpPr/>
+          <p:nvPr/>
+        </p:nvSpPr>
+        <p:spPr>
+          <a:xfrm>
+            <a:off x="0" y="3346500"/>
+            <a:ext cx="1535977" cy="109552"/>
+          </a:xfrm>
+          <a:prstGeom prst="rect">
+            <a:avLst/>
+          </a:prstGeom>
+          <a:solidFill>
+            <a:srgbClr val="585EC6"/>
+          </a:solidFill>
+          <a:ln w="12700">
+            <a:miter lim="400000"/>
+          </a:ln>
+        </p:spPr>
+        <p:txBody>
+          <a:bodyPr lIns="50800" tIns="50800" rIns="50800" bIns="50800" anchor="ctr"/>
+          <a:lstStyle/>
+          <a:p>
+            <a:pPr algn="l" defTabSz="457200">
+              <a:defRPr sz="1200">
+                <a:latin typeface="Helvetica"/>
+                <a:ea typeface="Helvetica"/>
+                <a:cs typeface="Helvetica"/>
+                <a:sym typeface="Helvetica"/>
+              </a:defRPr>
+            </a:pPr>
+          </a:p>
+        </p:txBody>
+      </p:sp>
+      <p:sp>
+        <p:nvSpPr>
+          <p:cNvPr id="360" name="Rectangle"/>
+          <p:cNvSpPr/>
+          <p:nvPr/>
+        </p:nvSpPr>
+        <p:spPr>
+          <a:xfrm>
+            <a:off x="1508810" y="3324910"/>
+            <a:ext cx="1535983" cy="109551"/>
+          </a:xfrm>
+          <a:prstGeom prst="rect">
+            <a:avLst/>
+          </a:prstGeom>
+          <a:solidFill>
+            <a:srgbClr val="9598D9"/>
+          </a:solidFill>
+          <a:ln w="12700">
+            <a:miter lim="400000"/>
+          </a:ln>
+        </p:spPr>
+        <p:txBody>
+          <a:bodyPr lIns="50800" tIns="50800" rIns="50800" bIns="50800" anchor="ctr"/>
+          <a:lstStyle/>
+          <a:p>
+            <a:pPr algn="l" defTabSz="457200">
+              <a:defRPr sz="1200">
+                <a:latin typeface="Helvetica"/>
+                <a:ea typeface="Helvetica"/>
+                <a:cs typeface="Helvetica"/>
+                <a:sym typeface="Helvetica"/>
+              </a:defRPr>
+            </a:pPr>
+          </a:p>
+        </p:txBody>
+      </p:sp>
+      <p:sp>
+        <p:nvSpPr>
+          <p:cNvPr id="361" name="Rectangle"/>
+          <p:cNvSpPr/>
+          <p:nvPr/>
+        </p:nvSpPr>
+        <p:spPr>
+          <a:xfrm>
+            <a:off x="3045510" y="3324910"/>
+            <a:ext cx="1535983" cy="109551"/>
+          </a:xfrm>
+          <a:prstGeom prst="rect">
+            <a:avLst/>
+          </a:prstGeom>
+          <a:solidFill>
+            <a:srgbClr val="BABCE5"/>
+          </a:solidFill>
+          <a:ln w="12700">
+            <a:miter lim="400000"/>
+          </a:ln>
+        </p:spPr>
+        <p:txBody>
+          <a:bodyPr lIns="50800" tIns="50800" rIns="50800" bIns="50800" anchor="ctr"/>
+          <a:lstStyle/>
+          <a:p>
+            <a:pPr algn="l" defTabSz="457200">
+              <a:defRPr sz="1200">
+                <a:latin typeface="Helvetica"/>
+                <a:ea typeface="Helvetica"/>
+                <a:cs typeface="Helvetica"/>
+                <a:sym typeface="Helvetica"/>
+              </a:defRPr>
+            </a:pPr>
+          </a:p>
+        </p:txBody>
+      </p:sp>
+      <p:sp>
+        <p:nvSpPr>
+          <p:cNvPr id="362" name="Code…"/>
+          <p:cNvSpPr/>
+          <p:nvPr/>
+        </p:nvSpPr>
+        <p:spPr>
+          <a:xfrm>
+            <a:off x="108000" y="57295"/>
+            <a:ext cx="4226663" cy="549159"/>
+          </a:xfrm>
+          <a:prstGeom prst="rect">
+            <a:avLst/>
+          </a:prstGeom>
+          <a:ln w="12700">
+            <a:miter lim="400000"/>
+          </a:ln>
+          <a:extLst>
+            <a:ext uri="{C572A759-6A51-4108-AA02-DFA0A04FC94B}">
+              <ma14:wrappingTextBoxFlag xmlns:ma14="http://schemas.microsoft.com/office/mac/drawingml/2011/main" val="1"/>
+            </a:ext>
+          </a:extLst>
+        </p:spPr>
+        <p:txBody>
+          <a:bodyPr wrap="none" lIns="0" tIns="0" rIns="0" bIns="0">
+            <a:spAutoFit/>
+          </a:bodyPr>
+          <a:lstStyle/>
+          <a:p>
+            <a:pPr algn="l">
+              <a:lnSpc>
+                <a:spcPts val="1600"/>
+              </a:lnSpc>
+            </a:pPr>
+            <a:r>
+              <a:rPr sz="1400">
+                <a:solidFill>
+                  <a:srgbClr val="424ABF"/>
+                </a:solidFill>
+                <a:latin typeface="Times New Roman"/>
+                <a:ea typeface="Times New Roman"/>
+                <a:cs typeface="Times New Roman"/>
+                <a:sym typeface="Times New Roman"/>
+              </a:rPr>
+              <a:t> </a:t>
+            </a:r>
+            <a:r>
+              <a:rPr sz="1400">
+                <a:solidFill>
+                  <a:srgbClr val="424ABF"/>
+                </a:solidFill>
+                <a:latin typeface="Times New Roman"/>
+                <a:ea typeface="Times New Roman"/>
+                <a:cs typeface="Times New Roman"/>
+                <a:sym typeface="Times New Roman"/>
+              </a:rPr>
+              <a:t>Code</a:t>
+            </a:r>
+          </a:p>
+          <a:p>
+            <a:pPr algn="l">
+              <a:lnSpc>
+                <a:spcPts val="400"/>
+              </a:lnSpc>
+            </a:pPr>
+          </a:p>
+          <a:p>
+            <a:pPr algn="l">
+              <a:lnSpc>
+                <a:spcPts val="1000"/>
+              </a:lnSpc>
+            </a:pPr>
+            <a:r>
+              <a:rPr sz="900">
+                <a:solidFill>
+                  <a:srgbClr val="424ABF"/>
+                </a:solidFill>
+                <a:latin typeface="Times New Roman"/>
+                <a:ea typeface="Times New Roman"/>
+                <a:cs typeface="Times New Roman"/>
+                <a:sym typeface="Times New Roman"/>
+              </a:rPr>
+              <a:t> </a:t>
+            </a:r>
+            <a:r>
+              <a:rPr sz="900">
+                <a:solidFill>
+                  <a:srgbClr val="424ABF"/>
+                </a:solidFill>
+                <a:latin typeface="Times New Roman"/>
+                <a:ea typeface="Times New Roman"/>
+                <a:cs typeface="Times New Roman"/>
+                <a:sym typeface="Times New Roman"/>
+              </a:rPr>
+              <a:t>Github Link:</a:t>
+            </a:r>
+          </a:p>
+          <a:p>
+            <a:pPr algn="l">
+              <a:lnSpc>
+                <a:spcPts val="100"/>
+              </a:lnSpc>
+            </a:pPr>
+          </a:p>
+          <a:p>
+            <a:pPr algn="l">
+              <a:lnSpc>
+                <a:spcPts val="600"/>
+              </a:lnSpc>
+            </a:pPr>
+            <a:r>
+              <a:rPr i="1" sz="900">
+                <a:solidFill>
+                  <a:srgbClr val="424ABF"/>
+                </a:solidFill>
+                <a:latin typeface="Times New Roman"/>
+                <a:ea typeface="Times New Roman"/>
+                <a:cs typeface="Times New Roman"/>
+                <a:sym typeface="Times New Roman"/>
+              </a:rPr>
+              <a:t> </a:t>
+            </a:r>
+            <a:r>
+              <a:rPr sz="900">
+                <a:latin typeface="Times New Roman"/>
+                <a:ea typeface="Times New Roman"/>
+                <a:cs typeface="Times New Roman"/>
+                <a:sym typeface="Times New Roman"/>
+              </a:rPr>
+              <a:t>https </a:t>
+            </a:r>
+            <a:r>
+              <a:rPr sz="900">
+                <a:latin typeface="Times New Roman"/>
+                <a:ea typeface="Times New Roman"/>
+                <a:cs typeface="Times New Roman"/>
+                <a:sym typeface="Times New Roman"/>
+              </a:rPr>
+              <a:t>: //</a:t>
+            </a:r>
+            <a:r>
+              <a:rPr sz="900">
+                <a:latin typeface="Times New Roman"/>
+                <a:ea typeface="Times New Roman"/>
+                <a:cs typeface="Times New Roman"/>
+                <a:sym typeface="Times New Roman"/>
+              </a:rPr>
+              <a:t>github</a:t>
+            </a:r>
+            <a:r>
+              <a:rPr sz="900">
+                <a:latin typeface="Times New Roman"/>
+                <a:ea typeface="Times New Roman"/>
+                <a:cs typeface="Times New Roman"/>
+                <a:sym typeface="Times New Roman"/>
+              </a:rPr>
+              <a:t>.</a:t>
+            </a:r>
+            <a:r>
+              <a:rPr sz="900">
+                <a:latin typeface="Times New Roman"/>
+                <a:ea typeface="Times New Roman"/>
+                <a:cs typeface="Times New Roman"/>
+                <a:sym typeface="Times New Roman"/>
+              </a:rPr>
+              <a:t>com</a:t>
+            </a:r>
+            <a:r>
+              <a:rPr sz="900">
+                <a:latin typeface="Times New Roman"/>
+                <a:ea typeface="Times New Roman"/>
+                <a:cs typeface="Times New Roman"/>
+                <a:sym typeface="Times New Roman"/>
+              </a:rPr>
+              <a:t>/</a:t>
+            </a:r>
+            <a:r>
+              <a:rPr sz="900">
+                <a:latin typeface="Times New Roman"/>
+                <a:ea typeface="Times New Roman"/>
+                <a:cs typeface="Times New Roman"/>
+                <a:sym typeface="Times New Roman"/>
+              </a:rPr>
+              <a:t>RmmLeo</a:t>
+            </a:r>
+            <a:r>
+              <a:rPr sz="900">
+                <a:latin typeface="Times New Roman"/>
+                <a:ea typeface="Times New Roman"/>
+                <a:cs typeface="Times New Roman"/>
+                <a:sym typeface="Times New Roman"/>
+              </a:rPr>
+              <a:t>/</a:t>
+            </a:r>
+            <a:r>
+              <a:rPr sz="900">
+                <a:latin typeface="Times New Roman"/>
+                <a:ea typeface="Times New Roman"/>
+                <a:cs typeface="Times New Roman"/>
+                <a:sym typeface="Times New Roman"/>
+              </a:rPr>
+              <a:t>STAT</a:t>
+            </a:r>
+            <a:r>
+              <a:rPr sz="900">
+                <a:latin typeface="Times New Roman"/>
+                <a:ea typeface="Times New Roman"/>
+                <a:cs typeface="Times New Roman"/>
+                <a:sym typeface="Times New Roman"/>
+              </a:rPr>
+              <a:t>6289h</a:t>
+            </a:r>
+            <a:r>
+              <a:rPr sz="900">
+                <a:latin typeface="Times New Roman"/>
+                <a:ea typeface="Times New Roman"/>
+                <a:cs typeface="Times New Roman"/>
+                <a:sym typeface="Times New Roman"/>
+              </a:rPr>
+              <a:t>omework</a:t>
+            </a:r>
+            <a:r>
+              <a:rPr sz="900">
+                <a:latin typeface="Times New Roman"/>
+                <a:ea typeface="Times New Roman"/>
+                <a:cs typeface="Times New Roman"/>
+                <a:sym typeface="Times New Roman"/>
+              </a:rPr>
+              <a:t>/</a:t>
+            </a:r>
+            <a:r>
+              <a:rPr sz="900">
+                <a:latin typeface="Times New Roman"/>
+                <a:ea typeface="Times New Roman"/>
+                <a:cs typeface="Times New Roman"/>
+                <a:sym typeface="Times New Roman"/>
+              </a:rPr>
+              <a:t>tree</a:t>
+            </a:r>
+            <a:r>
+              <a:rPr sz="900">
+                <a:latin typeface="Times New Roman"/>
+                <a:ea typeface="Times New Roman"/>
+                <a:cs typeface="Times New Roman"/>
+                <a:sym typeface="Times New Roman"/>
+              </a:rPr>
+              <a:t>/</a:t>
+            </a:r>
+            <a:r>
+              <a:rPr sz="900">
+                <a:latin typeface="Times New Roman"/>
+                <a:ea typeface="Times New Roman"/>
+                <a:cs typeface="Times New Roman"/>
+                <a:sym typeface="Times New Roman"/>
+              </a:rPr>
+              <a:t>main</a:t>
+            </a:r>
+            <a:r>
+              <a:rPr sz="900">
+                <a:latin typeface="Times New Roman"/>
+                <a:ea typeface="Times New Roman"/>
+                <a:cs typeface="Times New Roman"/>
+                <a:sym typeface="Times New Roman"/>
+              </a:rPr>
+              <a:t>/</a:t>
+            </a:r>
+            <a:r>
+              <a:rPr sz="900">
+                <a:latin typeface="Times New Roman"/>
+                <a:ea typeface="Times New Roman"/>
+                <a:cs typeface="Times New Roman"/>
+                <a:sym typeface="Times New Roman"/>
+              </a:rPr>
+              <a:t>Midterm</a:t>
+            </a:r>
+            <a:r>
+              <a:rPr sz="900">
+                <a:latin typeface="Times New Roman"/>
+                <a:ea typeface="Times New Roman"/>
+                <a:cs typeface="Times New Roman"/>
+                <a:sym typeface="Times New Roman"/>
+              </a:rPr>
+              <a:t>%20</a:t>
+            </a:r>
+            <a:r>
+              <a:rPr sz="900">
+                <a:latin typeface="Times New Roman"/>
+                <a:ea typeface="Times New Roman"/>
+                <a:cs typeface="Times New Roman"/>
+                <a:sym typeface="Times New Roman"/>
+              </a:rPr>
+              <a:t>Project</a:t>
+            </a:r>
+          </a:p>
+        </p:txBody>
+      </p:sp>
+      <p:sp>
+        <p:nvSpPr>
+          <p:cNvPr id="363" name=". . . .  .  .  . .  .  .  . .  .  .  . . . . . ."/>
+          <p:cNvSpPr/>
+          <p:nvPr/>
+        </p:nvSpPr>
+        <p:spPr>
+          <a:xfrm>
+            <a:off x="3032569" y="3176511"/>
+            <a:ext cx="1557364" cy="127001"/>
+          </a:xfrm>
+          <a:prstGeom prst="rect">
+            <a:avLst/>
+          </a:prstGeom>
+          <a:ln w="12700">
+            <a:miter lim="400000"/>
+          </a:ln>
+          <a:extLst>
+            <a:ext uri="{C572A759-6A51-4108-AA02-DFA0A04FC94B}">
+              <ma14:wrappingTextBoxFlag xmlns:ma14="http://schemas.microsoft.com/office/mac/drawingml/2011/main" val="1"/>
+            </a:ext>
+          </a:extLst>
+        </p:spPr>
+        <p:txBody>
+          <a:bodyPr wrap="none" lIns="0" tIns="0" rIns="0" bIns="0">
+            <a:spAutoFit/>
+          </a:bodyPr>
+          <a:lstStyle/>
+          <a:p>
+            <a:pPr algn="l" defTabSz="457200">
+              <a:lnSpc>
+                <a:spcPts val="400"/>
+              </a:lnSpc>
+              <a:tabLst>
+                <a:tab pos="88900" algn="l"/>
+                <a:tab pos="165100" algn="l"/>
+                <a:tab pos="254000" algn="l"/>
+                <a:tab pos="520700" algn="l"/>
+                <a:tab pos="800100" algn="l"/>
+                <a:tab pos="1117600" algn="l"/>
+                <a:tab pos="1257300" algn="l"/>
+                <a:tab pos="1358900" algn="l"/>
+                <a:tab pos="1435100" algn="l"/>
+                <a:tab pos="1524000" algn="l"/>
+              </a:tabLst>
+            </a:pPr>
+            <a:r>
+              <a:rPr sz="400">
+                <a:solidFill>
+                  <a:srgbClr val="FFFFFF"/>
+                </a:solidFill>
+                <a:latin typeface="Times New Roman"/>
+                <a:ea typeface="Times New Roman"/>
+                <a:cs typeface="Times New Roman"/>
+                <a:sym typeface="Times New Roman"/>
+              </a:rPr>
+              <a:t> </a:t>
+            </a:r>
+            <a:r>
+              <a:rPr sz="400">
+                <a:solidFill>
+                  <a:srgbClr val="FFFFFF"/>
+                </a:solidFill>
+                <a:latin typeface="Times New Roman"/>
+                <a:ea typeface="Times New Roman"/>
+                <a:cs typeface="Times New Roman"/>
+                <a:sym typeface="Times New Roman"/>
+              </a:rPr>
+              <a:t>.	.	.	.  .  .  .	.  </a:t>
+            </a:r>
+            <a:r>
+              <a:rPr sz="400" u="sng">
+                <a:solidFill>
+                  <a:srgbClr val="FFFFFF"/>
+                </a:solidFill>
+                <a:latin typeface="Times New Roman"/>
+                <a:ea typeface="Times New Roman"/>
+                <a:cs typeface="Times New Roman"/>
+                <a:sym typeface="Times New Roman"/>
+              </a:rPr>
+              <a:t>.</a:t>
+            </a:r>
+            <a:r>
+              <a:rPr sz="400">
+                <a:solidFill>
+                  <a:srgbClr val="FFFFFF"/>
+                </a:solidFill>
+                <a:latin typeface="Times New Roman"/>
+                <a:ea typeface="Times New Roman"/>
+                <a:cs typeface="Times New Roman"/>
+                <a:sym typeface="Times New Roman"/>
+              </a:rPr>
+              <a:t>  .  .	.  </a:t>
+            </a:r>
+            <a:r>
+              <a:rPr sz="400" u="sng">
+                <a:solidFill>
+                  <a:srgbClr val="FFFFFF"/>
+                </a:solidFill>
+                <a:latin typeface="Times New Roman"/>
+                <a:ea typeface="Times New Roman"/>
+                <a:cs typeface="Times New Roman"/>
+                <a:sym typeface="Times New Roman"/>
+              </a:rPr>
+              <a:t>.</a:t>
+            </a:r>
+            <a:r>
+              <a:rPr sz="400">
+                <a:solidFill>
+                  <a:srgbClr val="FFFFFF"/>
+                </a:solidFill>
+                <a:latin typeface="Times New Roman"/>
+                <a:ea typeface="Times New Roman"/>
+                <a:cs typeface="Times New Roman"/>
+                <a:sym typeface="Times New Roman"/>
+              </a:rPr>
+              <a:t>  .  .	</a:t>
+            </a:r>
+            <a:r>
+              <a:rPr sz="400" u="sng">
+                <a:solidFill>
+                  <a:srgbClr val="FFFFFF"/>
+                </a:solidFill>
+                <a:latin typeface="Times New Roman"/>
+                <a:ea typeface="Times New Roman"/>
+                <a:cs typeface="Times New Roman"/>
+                <a:sym typeface="Times New Roman"/>
+              </a:rPr>
+              <a:t>.</a:t>
+            </a:r>
+            <a:r>
+              <a:rPr sz="400">
+                <a:solidFill>
+                  <a:srgbClr val="FFFFFF"/>
+                </a:solidFill>
+                <a:latin typeface="Times New Roman"/>
+                <a:ea typeface="Times New Roman"/>
+                <a:cs typeface="Times New Roman"/>
+                <a:sym typeface="Times New Roman"/>
+              </a:rPr>
+              <a:t>	.	.	.	.</a:t>
+            </a:r>
+          </a:p>
+        </p:txBody>
+      </p:sp>
+      <p:sp>
+        <p:nvSpPr>
+          <p:cNvPr id="364" name=". . . .  .  .  . .  .  .  . .  .  .  . . . . . ."/>
+          <p:cNvSpPr/>
+          <p:nvPr/>
+        </p:nvSpPr>
+        <p:spPr>
+          <a:xfrm>
+            <a:off x="2956648" y="3265080"/>
+            <a:ext cx="1544715" cy="127001"/>
+          </a:xfrm>
+          <a:prstGeom prst="rect">
+            <a:avLst/>
+          </a:prstGeom>
+          <a:ln w="12700">
+            <a:miter lim="400000"/>
+          </a:ln>
+          <a:extLst>
+            <a:ext uri="{C572A759-6A51-4108-AA02-DFA0A04FC94B}">
+              <ma14:wrappingTextBoxFlag xmlns:ma14="http://schemas.microsoft.com/office/mac/drawingml/2011/main" val="1"/>
+            </a:ext>
+          </a:extLst>
+        </p:spPr>
+        <p:txBody>
+          <a:bodyPr wrap="none" lIns="0" tIns="0" rIns="0" bIns="0">
+            <a:spAutoFit/>
+          </a:bodyPr>
+          <a:lstStyle/>
+          <a:p>
+            <a:pPr algn="l" defTabSz="457200">
+              <a:lnSpc>
+                <a:spcPts val="400"/>
+              </a:lnSpc>
+              <a:tabLst>
+                <a:tab pos="63500" algn="l"/>
+                <a:tab pos="165100" algn="l"/>
+                <a:tab pos="266700" algn="l"/>
+                <a:tab pos="533400" algn="l"/>
+                <a:tab pos="812800" algn="l"/>
+                <a:tab pos="1079500" algn="l"/>
+                <a:tab pos="1193800" algn="l"/>
+                <a:tab pos="1346200" algn="l"/>
+                <a:tab pos="1435100" algn="l"/>
+                <a:tab pos="1511300" algn="l"/>
+              </a:tabLst>
+            </a:pPr>
+            <a:r>
+              <a:rPr sz="400">
+                <a:solidFill>
+                  <a:srgbClr val="FFFFFF"/>
+                </a:solidFill>
+                <a:latin typeface="Times New Roman"/>
+                <a:ea typeface="Times New Roman"/>
+                <a:cs typeface="Times New Roman"/>
+                <a:sym typeface="Times New Roman"/>
+              </a:rPr>
+              <a:t> </a:t>
+            </a:r>
+            <a:r>
+              <a:rPr sz="400">
+                <a:solidFill>
+                  <a:srgbClr val="FFFFFF"/>
+                </a:solidFill>
+                <a:latin typeface="Times New Roman"/>
+                <a:ea typeface="Times New Roman"/>
+                <a:cs typeface="Times New Roman"/>
+                <a:sym typeface="Times New Roman"/>
+              </a:rPr>
+              <a:t>.	.	.	.  .  </a:t>
+            </a:r>
+            <a:r>
+              <a:rPr strike="sngStrike" sz="400">
+                <a:solidFill>
+                  <a:srgbClr val="FFFFFF"/>
+                </a:solidFill>
+                <a:latin typeface="Times New Roman"/>
+                <a:ea typeface="Times New Roman"/>
+                <a:cs typeface="Times New Roman"/>
+                <a:sym typeface="Times New Roman"/>
+              </a:rPr>
+              <a:t>.</a:t>
+            </a:r>
+            <a:r>
+              <a:rPr sz="400">
+                <a:solidFill>
+                  <a:srgbClr val="FFFFFF"/>
+                </a:solidFill>
+                <a:latin typeface="Times New Roman"/>
+                <a:ea typeface="Times New Roman"/>
+                <a:cs typeface="Times New Roman"/>
+                <a:sym typeface="Times New Roman"/>
+              </a:rPr>
+              <a:t>  .	.  .  </a:t>
+            </a:r>
+            <a:r>
+              <a:rPr strike="sngStrike" sz="400">
+                <a:solidFill>
+                  <a:srgbClr val="FFFFFF"/>
+                </a:solidFill>
+                <a:latin typeface="Times New Roman"/>
+                <a:ea typeface="Times New Roman"/>
+                <a:cs typeface="Times New Roman"/>
+                <a:sym typeface="Times New Roman"/>
+              </a:rPr>
+              <a:t>.</a:t>
+            </a:r>
+            <a:r>
+              <a:rPr sz="400">
+                <a:solidFill>
+                  <a:srgbClr val="FFFFFF"/>
+                </a:solidFill>
+                <a:latin typeface="Times New Roman"/>
+                <a:ea typeface="Times New Roman"/>
+                <a:cs typeface="Times New Roman"/>
+                <a:sym typeface="Times New Roman"/>
+              </a:rPr>
+              <a:t>  .	.  .  </a:t>
+            </a:r>
+            <a:r>
+              <a:rPr strike="sngStrike" sz="400">
+                <a:solidFill>
+                  <a:srgbClr val="FFFFFF"/>
+                </a:solidFill>
+                <a:latin typeface="Times New Roman"/>
+                <a:ea typeface="Times New Roman"/>
+                <a:cs typeface="Times New Roman"/>
+                <a:sym typeface="Times New Roman"/>
+              </a:rPr>
+              <a:t>.</a:t>
+            </a:r>
+            <a:r>
+              <a:rPr sz="400">
+                <a:solidFill>
+                  <a:srgbClr val="FFFFFF"/>
+                </a:solidFill>
+                <a:latin typeface="Times New Roman"/>
+                <a:ea typeface="Times New Roman"/>
+                <a:cs typeface="Times New Roman"/>
+                <a:sym typeface="Times New Roman"/>
+              </a:rPr>
+              <a:t>  .	.	</a:t>
+            </a:r>
+            <a:r>
+              <a:rPr strike="sngStrike" sz="400">
+                <a:solidFill>
+                  <a:srgbClr val="FFFFFF"/>
+                </a:solidFill>
+                <a:latin typeface="Times New Roman"/>
+                <a:ea typeface="Times New Roman"/>
+                <a:cs typeface="Times New Roman"/>
+                <a:sym typeface="Times New Roman"/>
+              </a:rPr>
+              <a:t>.</a:t>
+            </a:r>
+            <a:r>
+              <a:rPr sz="400">
+                <a:solidFill>
+                  <a:srgbClr val="FFFFFF"/>
+                </a:solidFill>
+                <a:latin typeface="Times New Roman"/>
+                <a:ea typeface="Times New Roman"/>
+                <a:cs typeface="Times New Roman"/>
+                <a:sym typeface="Times New Roman"/>
+              </a:rPr>
+              <a:t>	.	.	.</a:t>
+            </a:r>
+          </a:p>
+        </p:txBody>
+      </p:sp>
+      <p:sp>
+        <p:nvSpPr>
+          <p:cNvPr id="365" name="Zexin Ren Midterm Project March 22, 2022 9/9"/>
+          <p:cNvSpPr/>
+          <p:nvPr/>
+        </p:nvSpPr>
+        <p:spPr>
+          <a:xfrm>
+            <a:off x="598093" y="3334740"/>
+            <a:ext cx="3942399" cy="127001"/>
+          </a:xfrm>
+          <a:prstGeom prst="rect">
+            <a:avLst/>
+          </a:prstGeom>
+          <a:ln w="12700">
+            <a:miter lim="400000"/>
+          </a:ln>
+          <a:extLst>
+            <a:ext uri="{C572A759-6A51-4108-AA02-DFA0A04FC94B}">
+              <ma14:wrappingTextBoxFlag xmlns:ma14="http://schemas.microsoft.com/office/mac/drawingml/2011/main" val="1"/>
+            </a:ext>
+          </a:extLst>
+        </p:spPr>
+        <p:txBody>
+          <a:bodyPr wrap="none" lIns="0" tIns="0" rIns="0" bIns="0">
+            <a:spAutoFit/>
+          </a:bodyPr>
+          <a:lstStyle/>
+          <a:p>
+            <a:pPr algn="l" defTabSz="457200">
+              <a:lnSpc>
+                <a:spcPts val="600"/>
+              </a:lnSpc>
+              <a:tabLst>
+                <a:tab pos="1422400" algn="l"/>
+                <a:tab pos="2895600" algn="l"/>
+                <a:tab pos="3784600" algn="l"/>
+              </a:tabLst>
+            </a:pPr>
+            <a:r>
+              <a:rPr sz="600">
+                <a:solidFill>
+                  <a:srgbClr val="FEFEFE"/>
+                </a:solidFill>
+                <a:latin typeface="Times New Roman"/>
+                <a:ea typeface="Times New Roman"/>
+                <a:cs typeface="Times New Roman"/>
+                <a:sym typeface="Times New Roman"/>
+              </a:rPr>
+              <a:t> </a:t>
+            </a:r>
+            <a:r>
+              <a:rPr sz="600">
+                <a:solidFill>
+                  <a:srgbClr val="FEFEFE"/>
+                </a:solidFill>
+                <a:latin typeface="Times New Roman"/>
+                <a:ea typeface="Times New Roman"/>
+                <a:cs typeface="Times New Roman"/>
+                <a:sym typeface="Times New Roman"/>
+              </a:rPr>
+              <a:t>Zexin Ren	Midterm Project	</a:t>
+            </a:r>
+            <a:r>
+              <a:rPr sz="600">
+                <a:latin typeface="Times New Roman"/>
+                <a:ea typeface="Times New Roman"/>
+                <a:cs typeface="Times New Roman"/>
+                <a:sym typeface="Times New Roman"/>
+              </a:rPr>
+              <a:t>March 22, 2022	9/9</a:t>
+            </a:r>
+          </a:p>
+        </p:txBody>
+      </p:sp>
+      <p:pic>
+        <p:nvPicPr>
+          <p:cNvPr id="366" name="code2.png" descr="code2.png"/>
+          <p:cNvPicPr>
+            <a:picLocks noChangeAspect="1"/>
+          </p:cNvPicPr>
+          <p:nvPr/>
+        </p:nvPicPr>
+        <p:blipFill>
+          <a:blip r:embed="rId6">
+            <a:extLst/>
+          </a:blip>
+          <a:stretch>
+            <a:fillRect/>
+          </a:stretch>
+        </p:blipFill>
+        <p:spPr>
+          <a:xfrm>
+            <a:off x="229999" y="797661"/>
+            <a:ext cx="4093605" cy="1860730"/>
+          </a:xfrm>
+          <a:prstGeom prst="rect">
+            <a:avLst/>
+          </a:prstGeom>
+          <a:ln w="12700">
+            <a:miter lim="400000"/>
+          </a:ln>
+        </p:spPr>
+      </p:pic>
     </p:spTree>
   </p:cSld>
   <p:clrMapOvr>
@@ -26706,6 +28239,35 @@
           </a:p>
         </p:txBody>
       </p:sp>
+      <p:pic>
+        <p:nvPicPr>
+          <p:cNvPr id="343" name="Code1.png" descr="Code1.png"/>
+          <p:cNvPicPr>
+            <a:picLocks noChangeAspect="1"/>
+          </p:cNvPicPr>
+          <p:nvPr/>
+        </p:nvPicPr>
+        <p:blipFill>
+          <a:blip r:embed="rId6">
+            <a:extLst/>
+          </a:blip>
+          <a:stretch>
+            <a:fillRect/>
+          </a:stretch>
+        </p:blipFill>
+        <p:spPr>
+          <a:xfrm>
+            <a:off x="721723" y="648288"/>
+            <a:ext cx="3164495" cy="2486389"/>
+          </a:xfrm>
+          <a:prstGeom prst="rect">
+            <a:avLst/>
+          </a:prstGeom>
+          <a:ln w="12700">
+            <a:miter lim="400000"/>
+          </a:ln>
+        </p:spPr>
+      </p:pic>
     </p:spTree>
   </p:cSld>
   <p:clrMapOvr>
